--- a/documents/final_Presentation.pptx
+++ b/documents/final_Presentation.pptx
@@ -5,19 +5,20 @@
     <p:sldMasterId id="2147483660" r:id="rId4"/>
   </p:sldMasterIdLst>
   <p:notesMasterIdLst>
-    <p:notesMasterId r:id="rId12"/>
+    <p:notesMasterId r:id="rId13"/>
   </p:notesMasterIdLst>
   <p:handoutMasterIdLst>
-    <p:handoutMasterId r:id="rId13"/>
+    <p:handoutMasterId r:id="rId14"/>
   </p:handoutMasterIdLst>
   <p:sldIdLst>
     <p:sldId id="278" r:id="rId5"/>
     <p:sldId id="284" r:id="rId6"/>
-    <p:sldId id="283" r:id="rId7"/>
-    <p:sldId id="286" r:id="rId8"/>
-    <p:sldId id="285" r:id="rId9"/>
-    <p:sldId id="287" r:id="rId10"/>
-    <p:sldId id="288" r:id="rId11"/>
+    <p:sldId id="289" r:id="rId7"/>
+    <p:sldId id="283" r:id="rId8"/>
+    <p:sldId id="286" r:id="rId9"/>
+    <p:sldId id="285" r:id="rId10"/>
+    <p:sldId id="287" r:id="rId11"/>
+    <p:sldId id="288" r:id="rId12"/>
   </p:sldIdLst>
   <p:sldSz cx="12192000" cy="6858000"/>
   <p:notesSz cx="6858000" cy="9144000"/>
@@ -2057,7 +2058,7 @@
                 <a:tabLst/>
                 <a:defRPr/>
               </a:pPr>
-              <a:t>3</a:t>
+              <a:t>4</a:t>
             </a:fld>
             <a:endParaRPr kumimoji="0" lang="de-DE" sz="1200" b="0" i="0" u="none" strike="noStrike" kern="1200" cap="none" spc="0" normalizeH="0" baseline="0" dirty="0">
               <a:ln>
@@ -8024,7 +8025,7 @@
           </a:effectLst>
           <a:extLst>
             <a:ext uri="{91240B29-F687-4f45-9708-019B960494DF}">
-              <a14:hiddenLine xmlns="" xmlns:a14="http://schemas.microsoft.com/office/drawing/2010/main" xmlns:a16="http://schemas.microsoft.com/office/drawing/2014/main" xmlns:p14="http://schemas.microsoft.com/office/powerpoint/2010/main" w="9525">
+              <a14:hiddenLine xmlns:p14="http://schemas.microsoft.com/office/powerpoint/2010/main" xmlns:a16="http://schemas.microsoft.com/office/drawing/2014/main" xmlns:a14="http://schemas.microsoft.com/office/drawing/2010/main" xmlns="" w="9525">
                 <a:solidFill>
                   <a:srgbClr val="000000"/>
                 </a:solidFill>
@@ -8323,6 +8324,122 @@
           <a:chExt cx="0" cy="0"/>
         </a:xfrm>
       </p:grpSpPr>
+      <p:sp>
+        <p:nvSpPr>
+          <p:cNvPr id="4" name="Titel 3">
+            <a:extLst>
+              <a:ext uri="{FF2B5EF4-FFF2-40B4-BE49-F238E27FC236}">
+                <a16:creationId xmlns:a16="http://schemas.microsoft.com/office/drawing/2014/main" id="{CD92A36C-D3CE-FD4E-31B4-BB158F27C79D}"/>
+              </a:ext>
+            </a:extLst>
+          </p:cNvPr>
+          <p:cNvSpPr>
+            <a:spLocks noGrp="1"/>
+          </p:cNvSpPr>
+          <p:nvPr>
+            <p:ph type="title"/>
+          </p:nvPr>
+        </p:nvSpPr>
+        <p:spPr/>
+        <p:txBody>
+          <a:bodyPr/>
+          <a:lstStyle/>
+          <a:p>
+            <a:r>
+              <a:rPr lang="de-DE" dirty="0"/>
+              <a:t>Technologien</a:t>
+            </a:r>
+          </a:p>
+        </p:txBody>
+      </p:sp>
+      <p:pic>
+        <p:nvPicPr>
+          <p:cNvPr id="8" name="Inhaltsplatzhalter 7" descr="Ein Bild, das Logo enthält.&#10;&#10;Automatisch generierte Beschreibung">
+            <a:extLst>
+              <a:ext uri="{FF2B5EF4-FFF2-40B4-BE49-F238E27FC236}">
+                <a16:creationId xmlns:a16="http://schemas.microsoft.com/office/drawing/2014/main" id="{7A75992C-9C9C-ABF7-93F9-1F618BC17812}"/>
+              </a:ext>
+            </a:extLst>
+          </p:cNvPr>
+          <p:cNvPicPr>
+            <a:picLocks noGrp="1" noChangeAspect="1"/>
+          </p:cNvPicPr>
+          <p:nvPr>
+            <p:ph sz="half" idx="1"/>
+          </p:nvPr>
+        </p:nvPicPr>
+        <p:blipFill>
+          <a:blip r:embed="rId2"/>
+          <a:stretch>
+            <a:fillRect/>
+          </a:stretch>
+        </p:blipFill>
+        <p:spPr>
+          <a:xfrm>
+            <a:off x="913795" y="2330258"/>
+            <a:ext cx="5442188" cy="3115057"/>
+          </a:xfrm>
+        </p:spPr>
+      </p:pic>
+      <p:pic>
+        <p:nvPicPr>
+          <p:cNvPr id="10" name="Inhaltsplatzhalter 9">
+            <a:extLst>
+              <a:ext uri="{FF2B5EF4-FFF2-40B4-BE49-F238E27FC236}">
+                <a16:creationId xmlns:a16="http://schemas.microsoft.com/office/drawing/2014/main" id="{54B7F34B-C0D7-4C46-6EF4-55639901167D}"/>
+              </a:ext>
+            </a:extLst>
+          </p:cNvPr>
+          <p:cNvPicPr>
+            <a:picLocks noGrp="1" noChangeAspect="1"/>
+          </p:cNvPicPr>
+          <p:nvPr>
+            <p:ph sz="half" idx="2"/>
+          </p:nvPr>
+        </p:nvPicPr>
+        <p:blipFill>
+          <a:blip r:embed="rId3"/>
+          <a:stretch>
+            <a:fillRect/>
+          </a:stretch>
+        </p:blipFill>
+        <p:spPr>
+          <a:xfrm>
+            <a:off x="6355982" y="2330258"/>
+            <a:ext cx="4998171" cy="3115057"/>
+          </a:xfrm>
+        </p:spPr>
+      </p:pic>
+    </p:spTree>
+    <p:extLst>
+      <p:ext uri="{BB962C8B-B14F-4D97-AF65-F5344CB8AC3E}">
+        <p14:creationId xmlns:p14="http://schemas.microsoft.com/office/powerpoint/2010/main" val="4040344607"/>
+      </p:ext>
+    </p:extLst>
+  </p:cSld>
+  <p:clrMapOvr>
+    <a:masterClrMapping/>
+  </p:clrMapOvr>
+</p:sld>
+</file>
+
+<file path=ppt/slides/slide4.xml><?xml version="1.0" encoding="utf-8"?>
+<p:sld xmlns:a="http://schemas.openxmlformats.org/drawingml/2006/main" xmlns:r="http://schemas.openxmlformats.org/officeDocument/2006/relationships" xmlns:p="http://schemas.openxmlformats.org/presentationml/2006/main">
+  <p:cSld>
+    <p:spTree>
+      <p:nvGrpSpPr>
+        <p:cNvPr id="1" name=""/>
+        <p:cNvGrpSpPr/>
+        <p:nvPr/>
+      </p:nvGrpSpPr>
+      <p:grpSpPr>
+        <a:xfrm>
+          <a:off x="0" y="0"/>
+          <a:ext cx="0" cy="0"/>
+          <a:chOff x="0" y="0"/>
+          <a:chExt cx="0" cy="0"/>
+        </a:xfrm>
+      </p:grpSpPr>
       <p:pic>
         <p:nvPicPr>
           <p:cNvPr id="3" name="Bild 2">
@@ -8459,90 +8576,6 @@
 </p:sld>
 </file>
 
-<file path=ppt/slides/slide4.xml><?xml version="1.0" encoding="utf-8"?>
-<p:sld xmlns:a="http://schemas.openxmlformats.org/drawingml/2006/main" xmlns:r="http://schemas.openxmlformats.org/officeDocument/2006/relationships" xmlns:p="http://schemas.openxmlformats.org/presentationml/2006/main">
-  <p:cSld>
-    <p:spTree>
-      <p:nvGrpSpPr>
-        <p:cNvPr id="1" name=""/>
-        <p:cNvGrpSpPr/>
-        <p:nvPr/>
-      </p:nvGrpSpPr>
-      <p:grpSpPr>
-        <a:xfrm>
-          <a:off x="0" y="0"/>
-          <a:ext cx="0" cy="0"/>
-          <a:chOff x="0" y="0"/>
-          <a:chExt cx="0" cy="0"/>
-        </a:xfrm>
-      </p:grpSpPr>
-      <p:sp>
-        <p:nvSpPr>
-          <p:cNvPr id="2" name="Titel 1">
-            <a:extLst>
-              <a:ext uri="{FF2B5EF4-FFF2-40B4-BE49-F238E27FC236}">
-                <a16:creationId xmlns:a16="http://schemas.microsoft.com/office/drawing/2014/main" id="{F1DAE3AA-1131-FEF3-BACB-456269DE6D47}"/>
-              </a:ext>
-            </a:extLst>
-          </p:cNvPr>
-          <p:cNvSpPr>
-            <a:spLocks noGrp="1"/>
-          </p:cNvSpPr>
-          <p:nvPr>
-            <p:ph type="ctrTitle"/>
-          </p:nvPr>
-        </p:nvSpPr>
-        <p:spPr/>
-        <p:txBody>
-          <a:bodyPr/>
-          <a:lstStyle/>
-          <a:p>
-            <a:r>
-              <a:rPr lang="en-GB" dirty="0"/>
-              <a:t>Live Demo</a:t>
-            </a:r>
-            <a:endParaRPr lang="LID4096" dirty="0"/>
-          </a:p>
-        </p:txBody>
-      </p:sp>
-      <p:sp>
-        <p:nvSpPr>
-          <p:cNvPr id="3" name="Untertitel 2">
-            <a:extLst>
-              <a:ext uri="{FF2B5EF4-FFF2-40B4-BE49-F238E27FC236}">
-                <a16:creationId xmlns:a16="http://schemas.microsoft.com/office/drawing/2014/main" id="{1B7E93F7-2B4C-2499-E064-2CBB872625E2}"/>
-              </a:ext>
-            </a:extLst>
-          </p:cNvPr>
-          <p:cNvSpPr>
-            <a:spLocks noGrp="1"/>
-          </p:cNvSpPr>
-          <p:nvPr>
-            <p:ph type="subTitle" idx="1"/>
-          </p:nvPr>
-        </p:nvSpPr>
-        <p:spPr/>
-        <p:txBody>
-          <a:bodyPr/>
-          <a:lstStyle/>
-          <a:p>
-            <a:endParaRPr lang="LID4096"/>
-          </a:p>
-        </p:txBody>
-      </p:sp>
-    </p:spTree>
-    <p:extLst>
-      <p:ext uri="{BB962C8B-B14F-4D97-AF65-F5344CB8AC3E}">
-        <p14:creationId xmlns:p14="http://schemas.microsoft.com/office/powerpoint/2010/main" val="1954289709"/>
-      </p:ext>
-    </p:extLst>
-  </p:cSld>
-  <p:clrMapOvr>
-    <a:masterClrMapping/>
-  </p:clrMapOvr>
-</p:sld>
-</file>
-
 <file path=ppt/slides/slide5.xml><?xml version="1.0" encoding="utf-8"?>
 <p:sld xmlns:a="http://schemas.openxmlformats.org/drawingml/2006/main" xmlns:r="http://schemas.openxmlformats.org/officeDocument/2006/relationships" xmlns:p="http://schemas.openxmlformats.org/presentationml/2006/main">
   <p:cSld>
@@ -8565,7 +8598,7 @@
           <p:cNvPr id="2" name="Titel 1">
             <a:extLst>
               <a:ext uri="{FF2B5EF4-FFF2-40B4-BE49-F238E27FC236}">
-                <a16:creationId xmlns:a16="http://schemas.microsoft.com/office/drawing/2014/main" id="{1BEC2135-080B-FBCD-1271-8EC85B170076}"/>
+                <a16:creationId xmlns:a16="http://schemas.microsoft.com/office/drawing/2014/main" id="{F1DAE3AA-1131-FEF3-BACB-456269DE6D47}"/>
               </a:ext>
             </a:extLst>
           </p:cNvPr>
@@ -8573,7 +8606,7 @@
             <a:spLocks noGrp="1"/>
           </p:cNvSpPr>
           <p:nvPr>
-            <p:ph type="title"/>
+            <p:ph type="ctrTitle"/>
           </p:nvPr>
         </p:nvSpPr>
         <p:spPr/>
@@ -8582,8 +8615,8 @@
           <a:lstStyle/>
           <a:p>
             <a:r>
-              <a:rPr lang="en-GB" dirty="0" err="1"/>
-              <a:t>Schiebepuzzle</a:t>
+              <a:rPr lang="en-GB" dirty="0"/>
+              <a:t>Live Demo</a:t>
             </a:r>
             <a:endParaRPr lang="LID4096" dirty="0"/>
           </a:p>
@@ -8591,10 +8624,10 @@
       </p:sp>
       <p:sp>
         <p:nvSpPr>
-          <p:cNvPr id="3" name="Inhaltsplatzhalter 2">
+          <p:cNvPr id="3" name="Untertitel 2">
             <a:extLst>
               <a:ext uri="{FF2B5EF4-FFF2-40B4-BE49-F238E27FC236}">
-                <a16:creationId xmlns:a16="http://schemas.microsoft.com/office/drawing/2014/main" id="{35D040FE-A73B-D650-D7C4-E5410EDDF33B}"/>
+                <a16:creationId xmlns:a16="http://schemas.microsoft.com/office/drawing/2014/main" id="{1B7E93F7-2B4C-2499-E064-2CBB872625E2}"/>
               </a:ext>
             </a:extLst>
           </p:cNvPr>
@@ -8602,7 +8635,7 @@
             <a:spLocks noGrp="1"/>
           </p:cNvSpPr>
           <p:nvPr>
-            <p:ph idx="1"/>
+            <p:ph type="subTitle" idx="1"/>
           </p:nvPr>
         </p:nvSpPr>
         <p:spPr/>
@@ -8610,41 +8643,14 @@
           <a:bodyPr/>
           <a:lstStyle/>
           <a:p>
-            <a:endParaRPr lang="de-AT" dirty="0"/>
-          </a:p>
-          <a:p>
-            <a:r>
-              <a:rPr lang="de-AT" dirty="0"/>
-              <a:t>3 x 3 Puzzle mit einem leeren Feld</a:t>
-            </a:r>
-          </a:p>
-          <a:p>
-            <a:r>
-              <a:rPr lang="de-AT" dirty="0"/>
-              <a:t>Spieler müssen Teile durch vertauschen richtig anordnen</a:t>
-            </a:r>
-          </a:p>
-          <a:p>
-            <a:r>
-              <a:rPr lang="de-AT" dirty="0"/>
-              <a:t>Spieler A kann freies Feld mit rechtem oder linkem tauschen</a:t>
-            </a:r>
-          </a:p>
-          <a:p>
-            <a:r>
-              <a:rPr lang="de-AT" dirty="0"/>
-              <a:t>Spieler B kann freies Feld mit dem darüber oder darunter liegendem tauschen</a:t>
-            </a:r>
-          </a:p>
-          <a:p>
-            <a:endParaRPr lang="de-AT" dirty="0"/>
+            <a:endParaRPr lang="LID4096"/>
           </a:p>
         </p:txBody>
       </p:sp>
     </p:spTree>
     <p:extLst>
       <p:ext uri="{BB962C8B-B14F-4D97-AF65-F5344CB8AC3E}">
-        <p14:creationId xmlns:p14="http://schemas.microsoft.com/office/powerpoint/2010/main" val="3481082967"/>
+        <p14:creationId xmlns:p14="http://schemas.microsoft.com/office/powerpoint/2010/main" val="1954289709"/>
       </p:ext>
     </p:extLst>
   </p:cSld>
@@ -8676,6 +8682,117 @@
           <p:cNvPr id="2" name="Titel 1">
             <a:extLst>
               <a:ext uri="{FF2B5EF4-FFF2-40B4-BE49-F238E27FC236}">
+                <a16:creationId xmlns:a16="http://schemas.microsoft.com/office/drawing/2014/main" id="{1BEC2135-080B-FBCD-1271-8EC85B170076}"/>
+              </a:ext>
+            </a:extLst>
+          </p:cNvPr>
+          <p:cNvSpPr>
+            <a:spLocks noGrp="1"/>
+          </p:cNvSpPr>
+          <p:nvPr>
+            <p:ph type="title"/>
+          </p:nvPr>
+        </p:nvSpPr>
+        <p:spPr/>
+        <p:txBody>
+          <a:bodyPr/>
+          <a:lstStyle/>
+          <a:p>
+            <a:r>
+              <a:rPr lang="en-GB" dirty="0" err="1"/>
+              <a:t>Schiebepuzzle</a:t>
+            </a:r>
+            <a:endParaRPr lang="LID4096" dirty="0"/>
+          </a:p>
+        </p:txBody>
+      </p:sp>
+      <p:sp>
+        <p:nvSpPr>
+          <p:cNvPr id="3" name="Inhaltsplatzhalter 2">
+            <a:extLst>
+              <a:ext uri="{FF2B5EF4-FFF2-40B4-BE49-F238E27FC236}">
+                <a16:creationId xmlns:a16="http://schemas.microsoft.com/office/drawing/2014/main" id="{35D040FE-A73B-D650-D7C4-E5410EDDF33B}"/>
+              </a:ext>
+            </a:extLst>
+          </p:cNvPr>
+          <p:cNvSpPr>
+            <a:spLocks noGrp="1"/>
+          </p:cNvSpPr>
+          <p:nvPr>
+            <p:ph idx="1"/>
+          </p:nvPr>
+        </p:nvSpPr>
+        <p:spPr/>
+        <p:txBody>
+          <a:bodyPr/>
+          <a:lstStyle/>
+          <a:p>
+            <a:endParaRPr lang="de-AT" dirty="0"/>
+          </a:p>
+          <a:p>
+            <a:r>
+              <a:rPr lang="de-AT" dirty="0"/>
+              <a:t>3 x 3 Puzzle mit einem leeren Feld</a:t>
+            </a:r>
+          </a:p>
+          <a:p>
+            <a:r>
+              <a:rPr lang="de-AT" dirty="0"/>
+              <a:t>Spieler müssen Teile durch vertauschen richtig anordnen</a:t>
+            </a:r>
+          </a:p>
+          <a:p>
+            <a:r>
+              <a:rPr lang="de-AT" dirty="0"/>
+              <a:t>Spieler A kann freies Feld mit rechtem oder linkem tauschen</a:t>
+            </a:r>
+          </a:p>
+          <a:p>
+            <a:r>
+              <a:rPr lang="de-AT" dirty="0"/>
+              <a:t>Spieler B kann freies Feld mit dem darüber oder darunter liegendem tauschen</a:t>
+            </a:r>
+          </a:p>
+          <a:p>
+            <a:endParaRPr lang="de-AT" dirty="0"/>
+          </a:p>
+        </p:txBody>
+      </p:sp>
+    </p:spTree>
+    <p:extLst>
+      <p:ext uri="{BB962C8B-B14F-4D97-AF65-F5344CB8AC3E}">
+        <p14:creationId xmlns:p14="http://schemas.microsoft.com/office/powerpoint/2010/main" val="3481082967"/>
+      </p:ext>
+    </p:extLst>
+  </p:cSld>
+  <p:clrMapOvr>
+    <a:masterClrMapping/>
+  </p:clrMapOvr>
+</p:sld>
+</file>
+
+<file path=ppt/slides/slide7.xml><?xml version="1.0" encoding="utf-8"?>
+<p:sld xmlns:a="http://schemas.openxmlformats.org/drawingml/2006/main" xmlns:r="http://schemas.openxmlformats.org/officeDocument/2006/relationships" xmlns:p="http://schemas.openxmlformats.org/presentationml/2006/main">
+  <p:cSld>
+    <p:spTree>
+      <p:nvGrpSpPr>
+        <p:cNvPr id="1" name=""/>
+        <p:cNvGrpSpPr/>
+        <p:nvPr/>
+      </p:nvGrpSpPr>
+      <p:grpSpPr>
+        <a:xfrm>
+          <a:off x="0" y="0"/>
+          <a:ext cx="0" cy="0"/>
+          <a:chOff x="0" y="0"/>
+          <a:chExt cx="0" cy="0"/>
+        </a:xfrm>
+      </p:grpSpPr>
+      <p:sp>
+        <p:nvSpPr>
+          <p:cNvPr id="2" name="Titel 1">
+            <a:extLst>
+              <a:ext uri="{FF2B5EF4-FFF2-40B4-BE49-F238E27FC236}">
                 <a16:creationId xmlns:a16="http://schemas.microsoft.com/office/drawing/2014/main" id="{E7C7CD19-6638-21AF-D40E-1CE8257A4B29}"/>
               </a:ext>
             </a:extLst>
@@ -8901,7 +9018,7 @@
 </p:sld>
 </file>
 
-<file path=ppt/slides/slide7.xml><?xml version="1.0" encoding="utf-8"?>
+<file path=ppt/slides/slide8.xml><?xml version="1.0" encoding="utf-8"?>
 <p:sld xmlns:a="http://schemas.openxmlformats.org/drawingml/2006/main" xmlns:r="http://schemas.openxmlformats.org/officeDocument/2006/relationships" xmlns:p="http://schemas.openxmlformats.org/presentationml/2006/main">
   <p:cSld>
     <p:spTree>
@@ -9951,12 +10068,12 @@
 </file>
 
 <file path=customXml/item1.xml><?xml version="1.0" encoding="utf-8"?>
-<?mso-contentType ?>
-<FormTemplates xmlns="http://schemas.microsoft.com/sharepoint/v3/contenttype/forms">
-  <Display>DocumentLibraryForm</Display>
-  <Edit>DocumentLibraryForm</Edit>
-  <New>DocumentLibraryForm</New>
-</FormTemplates>
+<p:properties xmlns:p="http://schemas.microsoft.com/office/2006/metadata/properties" xmlns:xsi="http://www.w3.org/2001/XMLSchema-instance" xmlns:pc="http://schemas.microsoft.com/office/infopath/2007/PartnerControls">
+  <documentManagement>
+    <Status xmlns="71af3243-3dd4-4a8d-8c0d-dd76da1f02a5">Not started</Status>
+    <MediaServiceKeyPoints xmlns="71af3243-3dd4-4a8d-8c0d-dd76da1f02a5" xsi:nil="true"/>
+  </documentManagement>
+</p:properties>
 </file>
 
 <file path=customXml/item2.xml><?xml version="1.0" encoding="utf-8"?>
@@ -10181,18 +10298,20 @@
 </file>
 
 <file path=customXml/item3.xml><?xml version="1.0" encoding="utf-8"?>
-<p:properties xmlns:p="http://schemas.microsoft.com/office/2006/metadata/properties" xmlns:xsi="http://www.w3.org/2001/XMLSchema-instance" xmlns:pc="http://schemas.microsoft.com/office/infopath/2007/PartnerControls">
-  <documentManagement>
-    <Status xmlns="71af3243-3dd4-4a8d-8c0d-dd76da1f02a5">Not started</Status>
-    <MediaServiceKeyPoints xmlns="71af3243-3dd4-4a8d-8c0d-dd76da1f02a5" xsi:nil="true"/>
-  </documentManagement>
-</p:properties>
+<?mso-contentType ?>
+<FormTemplates xmlns="http://schemas.microsoft.com/sharepoint/v3/contenttype/forms">
+  <Display>DocumentLibraryForm</Display>
+  <Edit>DocumentLibraryForm</Edit>
+  <New>DocumentLibraryForm</New>
+</FormTemplates>
 </file>
 
 <file path=customXml/itemProps1.xml><?xml version="1.0" encoding="utf-8"?>
-<ds:datastoreItem xmlns:ds="http://schemas.openxmlformats.org/officeDocument/2006/customXml" ds:itemID="{64B270AB-C138-415C-897E-3C24487DECF1}">
+<ds:datastoreItem xmlns:ds="http://schemas.openxmlformats.org/officeDocument/2006/customXml" ds:itemID="{2C4C00F4-06E9-43E3-AD97-88A857CEFA82}">
   <ds:schemaRefs>
-    <ds:schemaRef ds:uri="http://schemas.microsoft.com/sharepoint/v3/contenttype/forms"/>
+    <ds:schemaRef ds:uri="http://schemas.microsoft.com/office/2006/metadata/properties"/>
+    <ds:schemaRef ds:uri="http://schemas.microsoft.com/office/infopath/2007/PartnerControls"/>
+    <ds:schemaRef ds:uri="71af3243-3dd4-4a8d-8c0d-dd76da1f02a5"/>
   </ds:schemaRefs>
 </ds:datastoreItem>
 </file>
@@ -10217,11 +10336,9 @@
 </file>
 
 <file path=customXml/itemProps3.xml><?xml version="1.0" encoding="utf-8"?>
-<ds:datastoreItem xmlns:ds="http://schemas.openxmlformats.org/officeDocument/2006/customXml" ds:itemID="{2C4C00F4-06E9-43E3-AD97-88A857CEFA82}">
+<ds:datastoreItem xmlns:ds="http://schemas.openxmlformats.org/officeDocument/2006/customXml" ds:itemID="{64B270AB-C138-415C-897E-3C24487DECF1}">
   <ds:schemaRefs>
-    <ds:schemaRef ds:uri="http://schemas.microsoft.com/office/2006/metadata/properties"/>
-    <ds:schemaRef ds:uri="http://schemas.microsoft.com/office/infopath/2007/PartnerControls"/>
-    <ds:schemaRef ds:uri="71af3243-3dd4-4a8d-8c0d-dd76da1f02a5"/>
+    <ds:schemaRef ds:uri="http://schemas.microsoft.com/sharepoint/v3/contenttype/forms"/>
   </ds:schemaRefs>
 </ds:datastoreItem>
 </file>
--- a/documents/final_Presentation.pptx
+++ b/documents/final_Presentation.pptx
@@ -8025,7 +8025,7 @@
           </a:effectLst>
           <a:extLst>
             <a:ext uri="{91240B29-F687-4f45-9708-019B960494DF}">
-              <a14:hiddenLine xmlns:p14="http://schemas.microsoft.com/office/powerpoint/2010/main" xmlns:a16="http://schemas.microsoft.com/office/drawing/2014/main" xmlns:a14="http://schemas.microsoft.com/office/drawing/2010/main" xmlns="" w="9525">
+              <a14:hiddenLine xmlns="" xmlns:a14="http://schemas.microsoft.com/office/drawing/2010/main" xmlns:a16="http://schemas.microsoft.com/office/drawing/2014/main" xmlns:p14="http://schemas.microsoft.com/office/powerpoint/2010/main" w="9525">
                 <a:solidFill>
                   <a:srgbClr val="000000"/>
                 </a:solidFill>
@@ -8144,8 +8144,12 @@
           <a:p>
             <a:pPr algn="l" rtl="0"/>
             <a:r>
+              <a:rPr lang="de-DE" dirty="0"/>
+              <a:t>Ein </a:t>
+            </a:r>
+            <a:r>
               <a:rPr lang="de-DE" sz="2300" dirty="0"/>
-              <a:t>A Multiplayer-Puzzlegame</a:t>
+              <a:t>Multiplayer-Rätselspiel</a:t>
             </a:r>
           </a:p>
         </p:txBody>
@@ -8376,8 +8380,8 @@
         </p:blipFill>
         <p:spPr>
           <a:xfrm>
-            <a:off x="913795" y="2330258"/>
-            <a:ext cx="5442188" cy="3115057"/>
+            <a:off x="1128541" y="2733963"/>
+            <a:ext cx="4007979" cy="2294129"/>
           </a:xfrm>
         </p:spPr>
       </p:pic>
@@ -8405,8 +8409,8 @@
         </p:blipFill>
         <p:spPr>
           <a:xfrm>
-            <a:off x="6355982" y="2330258"/>
-            <a:ext cx="4998171" cy="3115057"/>
+            <a:off x="6949357" y="2733964"/>
+            <a:ext cx="3778440" cy="2354873"/>
           </a:xfrm>
         </p:spPr>
       </p:pic>
@@ -10068,12 +10072,12 @@
 </file>
 
 <file path=customXml/item1.xml><?xml version="1.0" encoding="utf-8"?>
-<p:properties xmlns:p="http://schemas.microsoft.com/office/2006/metadata/properties" xmlns:xsi="http://www.w3.org/2001/XMLSchema-instance" xmlns:pc="http://schemas.microsoft.com/office/infopath/2007/PartnerControls">
-  <documentManagement>
-    <Status xmlns="71af3243-3dd4-4a8d-8c0d-dd76da1f02a5">Not started</Status>
-    <MediaServiceKeyPoints xmlns="71af3243-3dd4-4a8d-8c0d-dd76da1f02a5" xsi:nil="true"/>
-  </documentManagement>
-</p:properties>
+<?mso-contentType ?>
+<FormTemplates xmlns="http://schemas.microsoft.com/sharepoint/v3/contenttype/forms">
+  <Display>DocumentLibraryForm</Display>
+  <Edit>DocumentLibraryForm</Edit>
+  <New>DocumentLibraryForm</New>
+</FormTemplates>
 </file>
 
 <file path=customXml/item2.xml><?xml version="1.0" encoding="utf-8"?>
@@ -10298,20 +10302,18 @@
 </file>
 
 <file path=customXml/item3.xml><?xml version="1.0" encoding="utf-8"?>
-<?mso-contentType ?>
-<FormTemplates xmlns="http://schemas.microsoft.com/sharepoint/v3/contenttype/forms">
-  <Display>DocumentLibraryForm</Display>
-  <Edit>DocumentLibraryForm</Edit>
-  <New>DocumentLibraryForm</New>
-</FormTemplates>
+<p:properties xmlns:p="http://schemas.microsoft.com/office/2006/metadata/properties" xmlns:xsi="http://www.w3.org/2001/XMLSchema-instance" xmlns:pc="http://schemas.microsoft.com/office/infopath/2007/PartnerControls">
+  <documentManagement>
+    <Status xmlns="71af3243-3dd4-4a8d-8c0d-dd76da1f02a5">Not started</Status>
+    <MediaServiceKeyPoints xmlns="71af3243-3dd4-4a8d-8c0d-dd76da1f02a5" xsi:nil="true"/>
+  </documentManagement>
+</p:properties>
 </file>
 
 <file path=customXml/itemProps1.xml><?xml version="1.0" encoding="utf-8"?>
-<ds:datastoreItem xmlns:ds="http://schemas.openxmlformats.org/officeDocument/2006/customXml" ds:itemID="{2C4C00F4-06E9-43E3-AD97-88A857CEFA82}">
+<ds:datastoreItem xmlns:ds="http://schemas.openxmlformats.org/officeDocument/2006/customXml" ds:itemID="{64B270AB-C138-415C-897E-3C24487DECF1}">
   <ds:schemaRefs>
-    <ds:schemaRef ds:uri="http://schemas.microsoft.com/office/2006/metadata/properties"/>
-    <ds:schemaRef ds:uri="http://schemas.microsoft.com/office/infopath/2007/PartnerControls"/>
-    <ds:schemaRef ds:uri="71af3243-3dd4-4a8d-8c0d-dd76da1f02a5"/>
+    <ds:schemaRef ds:uri="http://schemas.microsoft.com/sharepoint/v3/contenttype/forms"/>
   </ds:schemaRefs>
 </ds:datastoreItem>
 </file>
@@ -10336,9 +10338,11 @@
 </file>
 
 <file path=customXml/itemProps3.xml><?xml version="1.0" encoding="utf-8"?>
-<ds:datastoreItem xmlns:ds="http://schemas.openxmlformats.org/officeDocument/2006/customXml" ds:itemID="{64B270AB-C138-415C-897E-3C24487DECF1}">
+<ds:datastoreItem xmlns:ds="http://schemas.openxmlformats.org/officeDocument/2006/customXml" ds:itemID="{2C4C00F4-06E9-43E3-AD97-88A857CEFA82}">
   <ds:schemaRefs>
-    <ds:schemaRef ds:uri="http://schemas.microsoft.com/sharepoint/v3/contenttype/forms"/>
+    <ds:schemaRef ds:uri="http://schemas.microsoft.com/office/2006/metadata/properties"/>
+    <ds:schemaRef ds:uri="http://schemas.microsoft.com/office/infopath/2007/PartnerControls"/>
+    <ds:schemaRef ds:uri="71af3243-3dd4-4a8d-8c0d-dd76da1f02a5"/>
   </ds:schemaRefs>
 </ds:datastoreItem>
 </file>
--- a/documents/final_Presentation.pptx
+++ b/documents/final_Presentation.pptx
@@ -8025,7 +8025,7 @@
           </a:effectLst>
           <a:extLst>
             <a:ext uri="{91240B29-F687-4f45-9708-019B960494DF}">
-              <a14:hiddenLine xmlns="" xmlns:a14="http://schemas.microsoft.com/office/drawing/2010/main" xmlns:a16="http://schemas.microsoft.com/office/drawing/2014/main" xmlns:p14="http://schemas.microsoft.com/office/powerpoint/2010/main" w="9525">
+              <a14:hiddenLine xmlns:p14="http://schemas.microsoft.com/office/powerpoint/2010/main" xmlns:a16="http://schemas.microsoft.com/office/drawing/2014/main" xmlns:a14="http://schemas.microsoft.com/office/drawing/2010/main" xmlns="" w="9525">
                 <a:solidFill>
                   <a:srgbClr val="000000"/>
                 </a:solidFill>
@@ -8742,7 +8742,7 @@
           <a:p>
             <a:r>
               <a:rPr lang="de-AT" dirty="0"/>
-              <a:t>Spieler müssen Teile durch vertauschen richtig anordnen</a:t>
+              <a:t>Spieler müssen Teile durch Vertauschen richtig anordnen</a:t>
             </a:r>
           </a:p>
           <a:p>
@@ -8754,7 +8754,7 @@
           <a:p>
             <a:r>
               <a:rPr lang="de-AT" dirty="0"/>
-              <a:t>Spieler B kann freies Feld mit dem darüber oder darunter liegendem tauschen</a:t>
+              <a:t>Spieler B kann freies Feld mit darüber oder darunter liegendem tauschen</a:t>
             </a:r>
           </a:p>
           <a:p>
@@ -10072,12 +10072,12 @@
 </file>
 
 <file path=customXml/item1.xml><?xml version="1.0" encoding="utf-8"?>
-<?mso-contentType ?>
-<FormTemplates xmlns="http://schemas.microsoft.com/sharepoint/v3/contenttype/forms">
-  <Display>DocumentLibraryForm</Display>
-  <Edit>DocumentLibraryForm</Edit>
-  <New>DocumentLibraryForm</New>
-</FormTemplates>
+<p:properties xmlns:p="http://schemas.microsoft.com/office/2006/metadata/properties" xmlns:xsi="http://www.w3.org/2001/XMLSchema-instance" xmlns:pc="http://schemas.microsoft.com/office/infopath/2007/PartnerControls">
+  <documentManagement>
+    <Status xmlns="71af3243-3dd4-4a8d-8c0d-dd76da1f02a5">Not started</Status>
+    <MediaServiceKeyPoints xmlns="71af3243-3dd4-4a8d-8c0d-dd76da1f02a5" xsi:nil="true"/>
+  </documentManagement>
+</p:properties>
 </file>
 
 <file path=customXml/item2.xml><?xml version="1.0" encoding="utf-8"?>
@@ -10302,18 +10302,20 @@
 </file>
 
 <file path=customXml/item3.xml><?xml version="1.0" encoding="utf-8"?>
-<p:properties xmlns:p="http://schemas.microsoft.com/office/2006/metadata/properties" xmlns:xsi="http://www.w3.org/2001/XMLSchema-instance" xmlns:pc="http://schemas.microsoft.com/office/infopath/2007/PartnerControls">
-  <documentManagement>
-    <Status xmlns="71af3243-3dd4-4a8d-8c0d-dd76da1f02a5">Not started</Status>
-    <MediaServiceKeyPoints xmlns="71af3243-3dd4-4a8d-8c0d-dd76da1f02a5" xsi:nil="true"/>
-  </documentManagement>
-</p:properties>
+<?mso-contentType ?>
+<FormTemplates xmlns="http://schemas.microsoft.com/sharepoint/v3/contenttype/forms">
+  <Display>DocumentLibraryForm</Display>
+  <Edit>DocumentLibraryForm</Edit>
+  <New>DocumentLibraryForm</New>
+</FormTemplates>
 </file>
 
 <file path=customXml/itemProps1.xml><?xml version="1.0" encoding="utf-8"?>
-<ds:datastoreItem xmlns:ds="http://schemas.openxmlformats.org/officeDocument/2006/customXml" ds:itemID="{64B270AB-C138-415C-897E-3C24487DECF1}">
+<ds:datastoreItem xmlns:ds="http://schemas.openxmlformats.org/officeDocument/2006/customXml" ds:itemID="{2C4C00F4-06E9-43E3-AD97-88A857CEFA82}">
   <ds:schemaRefs>
-    <ds:schemaRef ds:uri="http://schemas.microsoft.com/sharepoint/v3/contenttype/forms"/>
+    <ds:schemaRef ds:uri="http://schemas.microsoft.com/office/2006/metadata/properties"/>
+    <ds:schemaRef ds:uri="http://schemas.microsoft.com/office/infopath/2007/PartnerControls"/>
+    <ds:schemaRef ds:uri="71af3243-3dd4-4a8d-8c0d-dd76da1f02a5"/>
   </ds:schemaRefs>
 </ds:datastoreItem>
 </file>
@@ -10338,11 +10340,9 @@
 </file>
 
 <file path=customXml/itemProps3.xml><?xml version="1.0" encoding="utf-8"?>
-<ds:datastoreItem xmlns:ds="http://schemas.openxmlformats.org/officeDocument/2006/customXml" ds:itemID="{2C4C00F4-06E9-43E3-AD97-88A857CEFA82}">
+<ds:datastoreItem xmlns:ds="http://schemas.openxmlformats.org/officeDocument/2006/customXml" ds:itemID="{64B270AB-C138-415C-897E-3C24487DECF1}">
   <ds:schemaRefs>
-    <ds:schemaRef ds:uri="http://schemas.microsoft.com/office/2006/metadata/properties"/>
-    <ds:schemaRef ds:uri="http://schemas.microsoft.com/office/infopath/2007/PartnerControls"/>
-    <ds:schemaRef ds:uri="71af3243-3dd4-4a8d-8c0d-dd76da1f02a5"/>
+    <ds:schemaRef ds:uri="http://schemas.microsoft.com/sharepoint/v3/contenttype/forms"/>
   </ds:schemaRefs>
 </ds:datastoreItem>
 </file>
--- a/documents/final_Presentation.pptx
+++ b/documents/final_Presentation.pptx
@@ -5,10 +5,10 @@
     <p:sldMasterId id="2147483660" r:id="rId4"/>
   </p:sldMasterIdLst>
   <p:notesMasterIdLst>
-    <p:notesMasterId r:id="rId13"/>
+    <p:notesMasterId r:id="rId14"/>
   </p:notesMasterIdLst>
   <p:handoutMasterIdLst>
-    <p:handoutMasterId r:id="rId14"/>
+    <p:handoutMasterId r:id="rId15"/>
   </p:handoutMasterIdLst>
   <p:sldIdLst>
     <p:sldId id="278" r:id="rId5"/>
@@ -19,6 +19,7 @@
     <p:sldId id="285" r:id="rId10"/>
     <p:sldId id="287" r:id="rId11"/>
     <p:sldId id="288" r:id="rId12"/>
+    <p:sldId id="291" r:id="rId13"/>
   </p:sldIdLst>
   <p:sldSz cx="12192000" cy="6858000"/>
   <p:notesSz cx="6858000" cy="9144000"/>
@@ -1276,7 +1277,7 @@
           <a:p>
             <a:fld id="{D2761137-B2F4-44A2-AEA9-B8D72975A05F}" type="datetime1">
               <a:rPr lang="de-DE" smtClean="0"/>
-              <a:t>14.03.2023</a:t>
+              <a:t>21.03.2023</a:t>
             </a:fld>
             <a:endParaRPr lang="de-DE" dirty="0"/>
           </a:p>
@@ -1444,7 +1445,7 @@
             <a:pPr rtl="0"/>
             <a:fld id="{E546253B-BE88-45C5-9ABC-A8414C168BD1}" type="datetime1">
               <a:rPr lang="de-DE" noProof="0" smtClean="0"/>
-              <a:t>14.03.2023</a:t>
+              <a:t>21.03.2023</a:t>
             </a:fld>
             <a:endParaRPr lang="de-DE" noProof="0" dirty="0"/>
           </a:p>
@@ -2278,7 +2279,7 @@
             <a:pPr rtl="0"/>
             <a:fld id="{E758FE69-3F99-4550-AA00-A7FF61BF76EA}" type="datetime1">
               <a:rPr lang="de-DE" noProof="0" smtClean="0"/>
-              <a:t>14.03.2023</a:t>
+              <a:t>21.03.2023</a:t>
             </a:fld>
             <a:endParaRPr lang="de-DE" noProof="0" dirty="0"/>
           </a:p>
@@ -2588,7 +2589,7 @@
             <a:pPr rtl="0"/>
             <a:fld id="{B61AEB60-0CF2-4FDF-8809-8AC51494D5F5}" type="datetime1">
               <a:rPr lang="de-DE" noProof="0" smtClean="0"/>
-              <a:t>14.03.2023</a:t>
+              <a:t>21.03.2023</a:t>
             </a:fld>
             <a:endParaRPr lang="de-DE" noProof="0" dirty="0"/>
           </a:p>
@@ -2786,7 +2787,7 @@
             <a:pPr rtl="0"/>
             <a:fld id="{358AF836-13A8-46EF-A2AE-6F658367FD73}" type="datetime1">
               <a:rPr lang="de-DE" noProof="0" smtClean="0"/>
-              <a:t>14.03.2023</a:t>
+              <a:t>21.03.2023</a:t>
             </a:fld>
             <a:endParaRPr lang="de-DE" noProof="0" dirty="0"/>
           </a:p>
@@ -3053,7 +3054,7 @@
             <a:pPr rtl="0"/>
             <a:fld id="{851DFE2F-C573-4D62-882A-E8846EF03C0C}" type="datetime1">
               <a:rPr lang="de-DE" noProof="0" smtClean="0"/>
-              <a:t>14.03.2023</a:t>
+              <a:t>21.03.2023</a:t>
             </a:fld>
             <a:endParaRPr lang="de-DE" noProof="0" dirty="0"/>
           </a:p>
@@ -3493,7 +3494,7 @@
             <a:pPr rtl="0"/>
             <a:fld id="{328E20CA-0CA2-4574-B1D6-69C8C65EED42}" type="datetime1">
               <a:rPr lang="de-DE" noProof="0" smtClean="0"/>
-              <a:t>14.03.2023</a:t>
+              <a:t>21.03.2023</a:t>
             </a:fld>
             <a:endParaRPr lang="de-DE" noProof="0" dirty="0"/>
           </a:p>
@@ -4034,7 +4035,7 @@
             <a:pPr rtl="0"/>
             <a:fld id="{509B9F8F-6639-463B-9FB3-42044123F51F}" type="datetime1">
               <a:rPr lang="de-DE" noProof="0" smtClean="0"/>
-              <a:t>14.03.2023</a:t>
+              <a:t>21.03.2023</a:t>
             </a:fld>
             <a:endParaRPr lang="de-DE" noProof="0" dirty="0"/>
           </a:p>
@@ -4923,7 +4924,7 @@
             <a:pPr rtl="0"/>
             <a:fld id="{069E6A23-504C-403E-B76B-B05505FCD76B}" type="datetime1">
               <a:rPr lang="de-DE" noProof="0" smtClean="0"/>
-              <a:t>14.03.2023</a:t>
+              <a:t>21.03.2023</a:t>
             </a:fld>
             <a:endParaRPr lang="de-DE" noProof="0" dirty="0"/>
           </a:p>
@@ -5097,7 +5098,7 @@
             <a:pPr rtl="0"/>
             <a:fld id="{9468F14C-D4F1-40B6-B1AD-A03EDAA6725D}" type="datetime1">
               <a:rPr lang="de-DE" noProof="0" smtClean="0"/>
-              <a:t>14.03.2023</a:t>
+              <a:t>21.03.2023</a:t>
             </a:fld>
             <a:endParaRPr lang="de-DE" noProof="0" dirty="0"/>
           </a:p>
@@ -5345,7 +5346,7 @@
             <a:pPr rtl="0"/>
             <a:fld id="{AEC8E1CE-31A4-4DC1-9A14-A1FDAD407674}" type="datetime1">
               <a:rPr lang="de-DE" noProof="0" smtClean="0"/>
-              <a:t>14.03.2023</a:t>
+              <a:t>21.03.2023</a:t>
             </a:fld>
             <a:endParaRPr lang="de-DE" noProof="0" dirty="0"/>
           </a:p>
@@ -5591,7 +5592,7 @@
             <a:pPr rtl="0"/>
             <a:fld id="{8FE3744A-5A44-4BFF-92AA-16DA5E94BB83}" type="datetime1">
               <a:rPr lang="de-DE" noProof="0" smtClean="0"/>
-              <a:t>14.03.2023</a:t>
+              <a:t>21.03.2023</a:t>
             </a:fld>
             <a:endParaRPr lang="de-DE" noProof="0" dirty="0"/>
           </a:p>
@@ -6078,7 +6079,7 @@
             <a:pPr rtl="0"/>
             <a:fld id="{6DEDD9AE-23AE-4EB7-B3DB-242A1D8478FB}" type="datetime1">
               <a:rPr lang="de-DE" noProof="0" smtClean="0"/>
-              <a:t>14.03.2023</a:t>
+              <a:t>21.03.2023</a:t>
             </a:fld>
             <a:endParaRPr lang="de-DE" noProof="0" dirty="0"/>
           </a:p>
@@ -6200,7 +6201,7 @@
             <a:pPr rtl="0"/>
             <a:fld id="{BF42FB20-1F3E-43B9-A22C-6B636C25391A}" type="datetime1">
               <a:rPr lang="de-DE" noProof="0" smtClean="0"/>
-              <a:t>14.03.2023</a:t>
+              <a:t>21.03.2023</a:t>
             </a:fld>
             <a:endParaRPr lang="de-DE" noProof="0" dirty="0"/>
           </a:p>
@@ -6298,7 +6299,7 @@
             <a:pPr rtl="0"/>
             <a:fld id="{667D78AD-A707-44D8-98C7-2E5BF17C114E}" type="datetime1">
               <a:rPr lang="de-DE" noProof="0" smtClean="0"/>
-              <a:t>14.03.2023</a:t>
+              <a:t>21.03.2023</a:t>
             </a:fld>
             <a:endParaRPr lang="de-DE" noProof="0" dirty="0"/>
           </a:p>
@@ -6557,7 +6558,7 @@
             <a:pPr rtl="0"/>
             <a:fld id="{B7CDB1FF-C55B-4D31-A515-83B796043DD6}" type="datetime1">
               <a:rPr lang="de-DE" noProof="0" smtClean="0"/>
-              <a:t>14.03.2023</a:t>
+              <a:t>21.03.2023</a:t>
             </a:fld>
             <a:endParaRPr lang="de-DE" noProof="0" dirty="0"/>
           </a:p>
@@ -6869,7 +6870,7 @@
             <a:pPr rtl="0"/>
             <a:fld id="{65B3AE0C-9D3B-493D-AE1C-E837EBD1A420}" type="datetime1">
               <a:rPr lang="de-DE" noProof="0" smtClean="0"/>
-              <a:t>14.03.2023</a:t>
+              <a:t>21.03.2023</a:t>
             </a:fld>
             <a:endParaRPr lang="de-DE" noProof="0" dirty="0"/>
           </a:p>
@@ -7105,7 +7106,7 @@
             <a:pPr rtl="0"/>
             <a:fld id="{68BEABDA-98C7-4D1F-B6BB-CA7E2F630F9B}" type="datetime1">
               <a:rPr lang="de-DE" noProof="0" smtClean="0"/>
-              <a:t>14.03.2023</a:t>
+              <a:t>21.03.2023</a:t>
             </a:fld>
             <a:endParaRPr lang="de-DE" noProof="0" dirty="0"/>
           </a:p>
@@ -8025,7 +8026,7 @@
           </a:effectLst>
           <a:extLst>
             <a:ext uri="{91240B29-F687-4f45-9708-019B960494DF}">
-              <a14:hiddenLine xmlns:p14="http://schemas.microsoft.com/office/powerpoint/2010/main" xmlns:a16="http://schemas.microsoft.com/office/drawing/2014/main" xmlns:a14="http://schemas.microsoft.com/office/drawing/2010/main" xmlns="" w="9525">
+              <a14:hiddenLine xmlns="" xmlns:a14="http://schemas.microsoft.com/office/drawing/2010/main" xmlns:a16="http://schemas.microsoft.com/office/drawing/2014/main" xmlns:p14="http://schemas.microsoft.com/office/powerpoint/2010/main" w="9525">
                 <a:solidFill>
                   <a:srgbClr val="000000"/>
                 </a:solidFill>
@@ -9281,6 +9282,79 @@
     <p:extLst>
       <p:ext uri="{BB962C8B-B14F-4D97-AF65-F5344CB8AC3E}">
         <p14:creationId xmlns:p14="http://schemas.microsoft.com/office/powerpoint/2010/main" val="3544417757"/>
+      </p:ext>
+    </p:extLst>
+  </p:cSld>
+  <p:clrMapOvr>
+    <a:masterClrMapping/>
+  </p:clrMapOvr>
+</p:sld>
+</file>
+
+<file path=ppt/slides/slide9.xml><?xml version="1.0" encoding="utf-8"?>
+<p:sld xmlns:a="http://schemas.openxmlformats.org/drawingml/2006/main" xmlns:r="http://schemas.openxmlformats.org/officeDocument/2006/relationships" xmlns:p="http://schemas.openxmlformats.org/presentationml/2006/main">
+  <p:cSld>
+    <p:spTree>
+      <p:nvGrpSpPr>
+        <p:cNvPr id="1" name=""/>
+        <p:cNvGrpSpPr/>
+        <p:nvPr/>
+      </p:nvGrpSpPr>
+      <p:grpSpPr>
+        <a:xfrm>
+          <a:off x="0" y="0"/>
+          <a:ext cx="0" cy="0"/>
+          <a:chOff x="0" y="0"/>
+          <a:chExt cx="0" cy="0"/>
+        </a:xfrm>
+      </p:grpSpPr>
+      <p:sp>
+        <p:nvSpPr>
+          <p:cNvPr id="2" name="Titel 1">
+            <a:extLst>
+              <a:ext uri="{FF2B5EF4-FFF2-40B4-BE49-F238E27FC236}">
+                <a16:creationId xmlns:a16="http://schemas.microsoft.com/office/drawing/2014/main" id="{A865C2C1-1964-1BEA-07FA-D41493E1CEA6}"/>
+              </a:ext>
+            </a:extLst>
+          </p:cNvPr>
+          <p:cNvSpPr>
+            <a:spLocks noGrp="1"/>
+          </p:cNvSpPr>
+          <p:nvPr>
+            <p:ph type="title"/>
+          </p:nvPr>
+        </p:nvSpPr>
+        <p:spPr>
+          <a:xfrm>
+            <a:off x="919119" y="680977"/>
+            <a:ext cx="10353762" cy="5496046"/>
+          </a:xfrm>
+        </p:spPr>
+        <p:txBody>
+          <a:bodyPr>
+            <a:normAutofit/>
+          </a:bodyPr>
+          <a:lstStyle/>
+          <a:p>
+            <a:r>
+              <a:rPr lang="de-DE" sz="8000" dirty="0"/>
+              <a:t>Danke für eure</a:t>
+            </a:r>
+            <a:br>
+              <a:rPr lang="de-DE" sz="8000" dirty="0"/>
+            </a:br>
+            <a:r>
+              <a:rPr lang="de-DE" sz="8000" dirty="0"/>
+              <a:t>Aufmerksamkeit</a:t>
+            </a:r>
+            <a:endParaRPr lang="de-AT" sz="8000" dirty="0"/>
+          </a:p>
+        </p:txBody>
+      </p:sp>
+    </p:spTree>
+    <p:extLst>
+      <p:ext uri="{BB962C8B-B14F-4D97-AF65-F5344CB8AC3E}">
+        <p14:creationId xmlns:p14="http://schemas.microsoft.com/office/powerpoint/2010/main" val="3008348234"/>
       </p:ext>
     </p:extLst>
   </p:cSld>
@@ -10072,12 +10146,12 @@
 </file>
 
 <file path=customXml/item1.xml><?xml version="1.0" encoding="utf-8"?>
-<p:properties xmlns:p="http://schemas.microsoft.com/office/2006/metadata/properties" xmlns:xsi="http://www.w3.org/2001/XMLSchema-instance" xmlns:pc="http://schemas.microsoft.com/office/infopath/2007/PartnerControls">
-  <documentManagement>
-    <Status xmlns="71af3243-3dd4-4a8d-8c0d-dd76da1f02a5">Not started</Status>
-    <MediaServiceKeyPoints xmlns="71af3243-3dd4-4a8d-8c0d-dd76da1f02a5" xsi:nil="true"/>
-  </documentManagement>
-</p:properties>
+<?mso-contentType ?>
+<FormTemplates xmlns="http://schemas.microsoft.com/sharepoint/v3/contenttype/forms">
+  <Display>DocumentLibraryForm</Display>
+  <Edit>DocumentLibraryForm</Edit>
+  <New>DocumentLibraryForm</New>
+</FormTemplates>
 </file>
 
 <file path=customXml/item2.xml><?xml version="1.0" encoding="utf-8"?>
@@ -10302,20 +10376,18 @@
 </file>
 
 <file path=customXml/item3.xml><?xml version="1.0" encoding="utf-8"?>
-<?mso-contentType ?>
-<FormTemplates xmlns="http://schemas.microsoft.com/sharepoint/v3/contenttype/forms">
-  <Display>DocumentLibraryForm</Display>
-  <Edit>DocumentLibraryForm</Edit>
-  <New>DocumentLibraryForm</New>
-</FormTemplates>
+<p:properties xmlns:p="http://schemas.microsoft.com/office/2006/metadata/properties" xmlns:xsi="http://www.w3.org/2001/XMLSchema-instance" xmlns:pc="http://schemas.microsoft.com/office/infopath/2007/PartnerControls">
+  <documentManagement>
+    <Status xmlns="71af3243-3dd4-4a8d-8c0d-dd76da1f02a5">Not started</Status>
+    <MediaServiceKeyPoints xmlns="71af3243-3dd4-4a8d-8c0d-dd76da1f02a5" xsi:nil="true"/>
+  </documentManagement>
+</p:properties>
 </file>
 
 <file path=customXml/itemProps1.xml><?xml version="1.0" encoding="utf-8"?>
-<ds:datastoreItem xmlns:ds="http://schemas.openxmlformats.org/officeDocument/2006/customXml" ds:itemID="{2C4C00F4-06E9-43E3-AD97-88A857CEFA82}">
+<ds:datastoreItem xmlns:ds="http://schemas.openxmlformats.org/officeDocument/2006/customXml" ds:itemID="{64B270AB-C138-415C-897E-3C24487DECF1}">
   <ds:schemaRefs>
-    <ds:schemaRef ds:uri="http://schemas.microsoft.com/office/2006/metadata/properties"/>
-    <ds:schemaRef ds:uri="http://schemas.microsoft.com/office/infopath/2007/PartnerControls"/>
-    <ds:schemaRef ds:uri="71af3243-3dd4-4a8d-8c0d-dd76da1f02a5"/>
+    <ds:schemaRef ds:uri="http://schemas.microsoft.com/sharepoint/v3/contenttype/forms"/>
   </ds:schemaRefs>
 </ds:datastoreItem>
 </file>
@@ -10340,9 +10412,11 @@
 </file>
 
 <file path=customXml/itemProps3.xml><?xml version="1.0" encoding="utf-8"?>
-<ds:datastoreItem xmlns:ds="http://schemas.openxmlformats.org/officeDocument/2006/customXml" ds:itemID="{64B270AB-C138-415C-897E-3C24487DECF1}">
+<ds:datastoreItem xmlns:ds="http://schemas.openxmlformats.org/officeDocument/2006/customXml" ds:itemID="{2C4C00F4-06E9-43E3-AD97-88A857CEFA82}">
   <ds:schemaRefs>
-    <ds:schemaRef ds:uri="http://schemas.microsoft.com/sharepoint/v3/contenttype/forms"/>
+    <ds:schemaRef ds:uri="http://schemas.microsoft.com/office/2006/metadata/properties"/>
+    <ds:schemaRef ds:uri="http://schemas.microsoft.com/office/infopath/2007/PartnerControls"/>
+    <ds:schemaRef ds:uri="71af3243-3dd4-4a8d-8c0d-dd76da1f02a5"/>
   </ds:schemaRefs>
 </ds:datastoreItem>
 </file>